--- a/画面イメージ.pptx
+++ b/画面イメージ.pptx
@@ -8,6 +8,7 @@
     <p:sldId id="257" r:id="rId2"/>
     <p:sldId id="258" r:id="rId3"/>
     <p:sldId id="259" r:id="rId4"/>
+    <p:sldId id="260" r:id="rId5"/>
   </p:sldIdLst>
   <p:sldSz cx="12192000" cy="6858000"/>
   <p:notesSz cx="6858000" cy="9144000"/>
@@ -4008,6 +4009,777 @@
 </p:sld>
 </file>
 
+<file path=ppt/slides/slide4.xml><?xml version="1.0" encoding="utf-8"?>
+<p:sld xmlns:a="http://schemas.openxmlformats.org/drawingml/2006/main" xmlns:r="http://schemas.openxmlformats.org/officeDocument/2006/relationships" xmlns:p="http://schemas.openxmlformats.org/presentationml/2006/main">
+  <p:cSld>
+    <p:spTree>
+      <p:nvGrpSpPr>
+        <p:cNvPr id="1" name=""/>
+        <p:cNvGrpSpPr/>
+        <p:nvPr/>
+      </p:nvGrpSpPr>
+      <p:grpSpPr>
+        <a:xfrm>
+          <a:off x="0" y="0"/>
+          <a:ext cx="0" cy="0"/>
+          <a:chOff x="0" y="0"/>
+          <a:chExt cx="0" cy="0"/>
+        </a:xfrm>
+      </p:grpSpPr>
+      <p:grpSp>
+        <p:nvGrpSpPr>
+          <p:cNvPr id="57" name="図形グループ 56"/>
+          <p:cNvGrpSpPr/>
+          <p:nvPr/>
+        </p:nvGrpSpPr>
+        <p:grpSpPr>
+          <a:xfrm>
+            <a:off x="4116926" y="164194"/>
+            <a:ext cx="4023360" cy="6601446"/>
+            <a:chOff x="4116926" y="28007"/>
+            <a:chExt cx="4023360" cy="6601446"/>
+          </a:xfrm>
+        </p:grpSpPr>
+        <p:grpSp>
+          <p:nvGrpSpPr>
+            <p:cNvPr id="18" name="図形グループ 17"/>
+            <p:cNvGrpSpPr/>
+            <p:nvPr/>
+          </p:nvGrpSpPr>
+          <p:grpSpPr>
+            <a:xfrm>
+              <a:off x="4116926" y="28007"/>
+              <a:ext cx="4023360" cy="6601446"/>
+              <a:chOff x="4085590" y="-876760"/>
+              <a:chExt cx="3778250" cy="9844384"/>
+            </a:xfrm>
+          </p:grpSpPr>
+          <p:sp>
+            <p:nvSpPr>
+              <p:cNvPr id="2" name="正方形/長方形 1"/>
+              <p:cNvSpPr/>
+              <p:nvPr/>
+            </p:nvSpPr>
+            <p:spPr>
+              <a:xfrm>
+                <a:off x="4085590" y="-876760"/>
+                <a:ext cx="3778250" cy="1156835"/>
+              </a:xfrm>
+              <a:prstGeom prst="rect">
+                <a:avLst/>
+              </a:prstGeom>
+              <a:noFill/>
+              <a:ln>
+                <a:solidFill>
+                  <a:schemeClr val="accent1"/>
+                </a:solidFill>
+              </a:ln>
+            </p:spPr>
+            <p:style>
+              <a:lnRef idx="2">
+                <a:schemeClr val="accent1">
+                  <a:shade val="50000"/>
+                </a:schemeClr>
+              </a:lnRef>
+              <a:fillRef idx="1">
+                <a:schemeClr val="accent1"/>
+              </a:fillRef>
+              <a:effectRef idx="0">
+                <a:schemeClr val="accent1"/>
+              </a:effectRef>
+              <a:fontRef idx="minor">
+                <a:schemeClr val="lt1"/>
+              </a:fontRef>
+            </p:style>
+            <p:txBody>
+              <a:bodyPr rtlCol="0" anchor="ctr"/>
+              <a:lstStyle/>
+              <a:p>
+                <a:pPr algn="ctr"/>
+                <a:r>
+                  <a:rPr lang="en-US" altLang="ja-JP" sz="2000" dirty="0" smtClean="0">
+                    <a:solidFill>
+                      <a:schemeClr val="tx1"/>
+                    </a:solidFill>
+                  </a:rPr>
+                  <a:t>QR</a:t>
+                </a:r>
+                <a:r>
+                  <a:rPr lang="ja-JP" altLang="en-US" sz="2000" dirty="0" smtClean="0">
+                    <a:solidFill>
+                      <a:schemeClr val="tx1"/>
+                    </a:solidFill>
+                  </a:rPr>
+                  <a:t>コードから登録フォームへ</a:t>
+                </a:r>
+                <a:endParaRPr kumimoji="1" lang="ja-JP" altLang="en-US" sz="2000" dirty="0">
+                  <a:solidFill>
+                    <a:schemeClr val="tx1"/>
+                  </a:solidFill>
+                </a:endParaRPr>
+              </a:p>
+            </p:txBody>
+          </p:sp>
+          <p:sp>
+            <p:nvSpPr>
+              <p:cNvPr id="3" name="正方形/長方形 2"/>
+              <p:cNvSpPr/>
+              <p:nvPr/>
+            </p:nvSpPr>
+            <p:spPr>
+              <a:xfrm>
+                <a:off x="4512940" y="747764"/>
+                <a:ext cx="2912475" cy="1124424"/>
+              </a:xfrm>
+              <a:prstGeom prst="rect">
+                <a:avLst/>
+              </a:prstGeom>
+              <a:noFill/>
+              <a:ln>
+                <a:solidFill>
+                  <a:schemeClr val="accent1"/>
+                </a:solidFill>
+              </a:ln>
+            </p:spPr>
+            <p:style>
+              <a:lnRef idx="2">
+                <a:schemeClr val="accent1">
+                  <a:shade val="50000"/>
+                </a:schemeClr>
+              </a:lnRef>
+              <a:fillRef idx="1">
+                <a:schemeClr val="accent1"/>
+              </a:fillRef>
+              <a:effectRef idx="0">
+                <a:schemeClr val="accent1"/>
+              </a:effectRef>
+              <a:fontRef idx="minor">
+                <a:schemeClr val="lt1"/>
+              </a:fontRef>
+            </p:style>
+            <p:txBody>
+              <a:bodyPr rtlCol="0" anchor="ctr"/>
+              <a:lstStyle/>
+              <a:p>
+                <a:pPr algn="ctr"/>
+                <a:r>
+                  <a:rPr kumimoji="1" lang="ja-JP" altLang="en-US" sz="2000" dirty="0" smtClean="0">
+                    <a:solidFill>
+                      <a:schemeClr val="tx1"/>
+                    </a:solidFill>
+                  </a:rPr>
+                  <a:t>必要事項記入・変更</a:t>
+                </a:r>
+                <a:endParaRPr kumimoji="1" lang="ja-JP" altLang="en-US" sz="2000" dirty="0">
+                  <a:solidFill>
+                    <a:schemeClr val="tx1"/>
+                  </a:solidFill>
+                </a:endParaRPr>
+              </a:p>
+            </p:txBody>
+          </p:sp>
+          <p:sp>
+            <p:nvSpPr>
+              <p:cNvPr id="4" name="正方形/長方形 3"/>
+              <p:cNvSpPr/>
+              <p:nvPr/>
+            </p:nvSpPr>
+            <p:spPr>
+              <a:xfrm>
+                <a:off x="4800501" y="4766710"/>
+                <a:ext cx="2348426" cy="965199"/>
+              </a:xfrm>
+              <a:prstGeom prst="rect">
+                <a:avLst/>
+              </a:prstGeom>
+              <a:noFill/>
+              <a:ln>
+                <a:solidFill>
+                  <a:schemeClr val="accent1"/>
+                </a:solidFill>
+              </a:ln>
+            </p:spPr>
+            <p:style>
+              <a:lnRef idx="2">
+                <a:schemeClr val="accent1">
+                  <a:shade val="50000"/>
+                </a:schemeClr>
+              </a:lnRef>
+              <a:fillRef idx="1">
+                <a:schemeClr val="accent1"/>
+              </a:fillRef>
+              <a:effectRef idx="0">
+                <a:schemeClr val="accent1"/>
+              </a:effectRef>
+              <a:fontRef idx="minor">
+                <a:schemeClr val="lt1"/>
+              </a:fontRef>
+            </p:style>
+            <p:txBody>
+              <a:bodyPr rtlCol="0" anchor="ctr"/>
+              <a:lstStyle/>
+              <a:p>
+                <a:pPr algn="ctr"/>
+                <a:r>
+                  <a:rPr kumimoji="1" lang="ja-JP" altLang="en-US" sz="2400" dirty="0" smtClean="0">
+                    <a:solidFill>
+                      <a:schemeClr val="tx1"/>
+                    </a:solidFill>
+                  </a:rPr>
+                  <a:t>確認</a:t>
+                </a:r>
+                <a:endParaRPr kumimoji="1" lang="ja-JP" altLang="en-US" sz="2400" dirty="0">
+                  <a:solidFill>
+                    <a:schemeClr val="tx1"/>
+                  </a:solidFill>
+                </a:endParaRPr>
+              </a:p>
+            </p:txBody>
+          </p:sp>
+          <p:sp>
+            <p:nvSpPr>
+              <p:cNvPr id="5" name="正方形/長方形 4"/>
+              <p:cNvSpPr/>
+              <p:nvPr/>
+            </p:nvSpPr>
+            <p:spPr>
+              <a:xfrm>
+                <a:off x="5128959" y="8116610"/>
+                <a:ext cx="1698719" cy="851014"/>
+              </a:xfrm>
+              <a:prstGeom prst="rect">
+                <a:avLst/>
+              </a:prstGeom>
+              <a:noFill/>
+              <a:ln>
+                <a:solidFill>
+                  <a:schemeClr val="accent1"/>
+                </a:solidFill>
+              </a:ln>
+            </p:spPr>
+            <p:style>
+              <a:lnRef idx="2">
+                <a:schemeClr val="accent1">
+                  <a:shade val="50000"/>
+                </a:schemeClr>
+              </a:lnRef>
+              <a:fillRef idx="1">
+                <a:schemeClr val="accent1"/>
+              </a:fillRef>
+              <a:effectRef idx="0">
+                <a:schemeClr val="accent1"/>
+              </a:effectRef>
+              <a:fontRef idx="minor">
+                <a:schemeClr val="lt1"/>
+              </a:fontRef>
+            </p:style>
+            <p:txBody>
+              <a:bodyPr rtlCol="0" anchor="ctr"/>
+              <a:lstStyle/>
+              <a:p>
+                <a:pPr algn="ctr"/>
+                <a:r>
+                  <a:rPr kumimoji="1" lang="ja-JP" altLang="en-US" sz="2400" dirty="0" smtClean="0">
+                    <a:solidFill>
+                      <a:schemeClr val="tx1"/>
+                    </a:solidFill>
+                  </a:rPr>
+                  <a:t>終了</a:t>
+                </a:r>
+                <a:endParaRPr kumimoji="1" lang="ja-JP" altLang="en-US" sz="2400" dirty="0">
+                  <a:solidFill>
+                    <a:schemeClr val="tx1"/>
+                  </a:solidFill>
+                </a:endParaRPr>
+              </a:p>
+            </p:txBody>
+          </p:sp>
+          <p:cxnSp>
+            <p:nvCxnSpPr>
+              <p:cNvPr id="8" name="直線矢印コネクタ 7"/>
+              <p:cNvCxnSpPr>
+                <a:stCxn id="2" idx="2"/>
+                <a:endCxn id="3" idx="0"/>
+              </p:cNvCxnSpPr>
+              <p:nvPr/>
+            </p:nvCxnSpPr>
+            <p:spPr>
+              <a:xfrm flipH="1">
+                <a:off x="5969178" y="280075"/>
+                <a:ext cx="5537" cy="467689"/>
+              </a:xfrm>
+              <a:prstGeom prst="straightConnector1">
+                <a:avLst/>
+              </a:prstGeom>
+              <a:ln w="28575">
+                <a:tailEnd type="triangle"/>
+              </a:ln>
+            </p:spPr>
+            <p:style>
+              <a:lnRef idx="1">
+                <a:schemeClr val="dk1"/>
+              </a:lnRef>
+              <a:fillRef idx="0">
+                <a:schemeClr val="dk1"/>
+              </a:fillRef>
+              <a:effectRef idx="0">
+                <a:schemeClr val="dk1"/>
+              </a:effectRef>
+              <a:fontRef idx="minor">
+                <a:schemeClr val="tx1"/>
+              </a:fontRef>
+            </p:style>
+          </p:cxnSp>
+          <p:cxnSp>
+            <p:nvCxnSpPr>
+              <p:cNvPr id="9" name="直線矢印コネクタ 8"/>
+              <p:cNvCxnSpPr>
+                <a:stCxn id="3" idx="2"/>
+                <a:endCxn id="31" idx="0"/>
+              </p:cNvCxnSpPr>
+              <p:nvPr/>
+            </p:nvCxnSpPr>
+            <p:spPr>
+              <a:xfrm>
+                <a:off x="5969178" y="1872188"/>
+                <a:ext cx="5537" cy="645210"/>
+              </a:xfrm>
+              <a:prstGeom prst="straightConnector1">
+                <a:avLst/>
+              </a:prstGeom>
+              <a:ln w="28575">
+                <a:tailEnd type="triangle"/>
+              </a:ln>
+            </p:spPr>
+            <p:style>
+              <a:lnRef idx="1">
+                <a:schemeClr val="dk1"/>
+              </a:lnRef>
+              <a:fillRef idx="0">
+                <a:schemeClr val="dk1"/>
+              </a:fillRef>
+              <a:effectRef idx="0">
+                <a:schemeClr val="dk1"/>
+              </a:effectRef>
+              <a:fontRef idx="minor">
+                <a:schemeClr val="tx1"/>
+              </a:fontRef>
+            </p:style>
+          </p:cxnSp>
+          <p:cxnSp>
+            <p:nvCxnSpPr>
+              <p:cNvPr id="14" name="直線矢印コネクタ 13"/>
+              <p:cNvCxnSpPr>
+                <a:stCxn id="4" idx="2"/>
+                <a:endCxn id="21" idx="0"/>
+              </p:cNvCxnSpPr>
+              <p:nvPr/>
+            </p:nvCxnSpPr>
+            <p:spPr>
+              <a:xfrm>
+                <a:off x="5974714" y="5731909"/>
+                <a:ext cx="1" cy="318870"/>
+              </a:xfrm>
+              <a:prstGeom prst="straightConnector1">
+                <a:avLst/>
+              </a:prstGeom>
+              <a:ln w="28575">
+                <a:tailEnd type="triangle"/>
+              </a:ln>
+            </p:spPr>
+            <p:style>
+              <a:lnRef idx="1">
+                <a:schemeClr val="dk1"/>
+              </a:lnRef>
+              <a:fillRef idx="0">
+                <a:schemeClr val="dk1"/>
+              </a:fillRef>
+              <a:effectRef idx="0">
+                <a:schemeClr val="dk1"/>
+              </a:effectRef>
+              <a:fontRef idx="minor">
+                <a:schemeClr val="tx1"/>
+              </a:fontRef>
+            </p:style>
+          </p:cxnSp>
+        </p:grpSp>
+        <p:cxnSp>
+          <p:nvCxnSpPr>
+            <p:cNvPr id="20" name="カギ線コネクタ 19"/>
+            <p:cNvCxnSpPr>
+              <a:stCxn id="21" idx="3"/>
+              <a:endCxn id="3" idx="3"/>
+            </p:cNvCxnSpPr>
+            <p:nvPr/>
+          </p:nvCxnSpPr>
+          <p:spPr>
+            <a:xfrm flipV="1">
+              <a:off x="7378995" y="1494388"/>
+              <a:ext cx="294424" cy="3723774"/>
+            </a:xfrm>
+            <a:prstGeom prst="bentConnector3">
+              <a:avLst>
+                <a:gd name="adj1" fmla="val 177643"/>
+              </a:avLst>
+            </a:prstGeom>
+            <a:ln>
+              <a:tailEnd type="triangle"/>
+            </a:ln>
+          </p:spPr>
+          <p:style>
+            <a:lnRef idx="1">
+              <a:schemeClr val="dk1"/>
+            </a:lnRef>
+            <a:fillRef idx="0">
+              <a:schemeClr val="dk1"/>
+            </a:fillRef>
+            <a:effectRef idx="0">
+              <a:schemeClr val="dk1"/>
+            </a:effectRef>
+            <a:fontRef idx="minor">
+              <a:schemeClr val="tx1"/>
+            </a:fontRef>
+          </p:style>
+        </p:cxnSp>
+        <p:sp>
+          <p:nvSpPr>
+            <p:cNvPr id="21" name="フローチャート: 判断 20"/>
+            <p:cNvSpPr/>
+            <p:nvPr/>
+          </p:nvSpPr>
+          <p:spPr>
+            <a:xfrm>
+              <a:off x="4878216" y="4673475"/>
+              <a:ext cx="2500779" cy="1089373"/>
+            </a:xfrm>
+            <a:prstGeom prst="flowChartDecision">
+              <a:avLst/>
+            </a:prstGeom>
+          </p:spPr>
+          <p:style>
+            <a:lnRef idx="2">
+              <a:schemeClr val="accent1"/>
+            </a:lnRef>
+            <a:fillRef idx="1">
+              <a:schemeClr val="lt1"/>
+            </a:fillRef>
+            <a:effectRef idx="0">
+              <a:schemeClr val="accent1"/>
+            </a:effectRef>
+            <a:fontRef idx="minor">
+              <a:schemeClr val="dk1"/>
+            </a:fontRef>
+          </p:style>
+          <p:txBody>
+            <a:bodyPr rtlCol="0" anchor="ctr"/>
+            <a:lstStyle/>
+            <a:p>
+              <a:pPr algn="ctr"/>
+              <a:r>
+                <a:rPr kumimoji="1" lang="ja-JP" altLang="en-US" smtClean="0"/>
+                <a:t>変更事項がある</a:t>
+              </a:r>
+              <a:endParaRPr kumimoji="1" lang="ja-JP" altLang="en-US"/>
+            </a:p>
+          </p:txBody>
+        </p:sp>
+        <p:cxnSp>
+          <p:nvCxnSpPr>
+            <p:cNvPr id="24" name="直線矢印コネクタ 23"/>
+            <p:cNvCxnSpPr>
+              <a:stCxn id="21" idx="2"/>
+              <a:endCxn id="5" idx="0"/>
+            </p:cNvCxnSpPr>
+            <p:nvPr/>
+          </p:nvCxnSpPr>
+          <p:spPr>
+            <a:xfrm>
+              <a:off x="6128606" y="5762848"/>
+              <a:ext cx="3837" cy="295932"/>
+            </a:xfrm>
+            <a:prstGeom prst="straightConnector1">
+              <a:avLst/>
+            </a:prstGeom>
+            <a:ln w="28575">
+              <a:tailEnd type="triangle"/>
+            </a:ln>
+          </p:spPr>
+          <p:style>
+            <a:lnRef idx="1">
+              <a:schemeClr val="dk1"/>
+            </a:lnRef>
+            <a:fillRef idx="0">
+              <a:schemeClr val="dk1"/>
+            </a:fillRef>
+            <a:effectRef idx="0">
+              <a:schemeClr val="dk1"/>
+            </a:effectRef>
+            <a:fontRef idx="minor">
+              <a:schemeClr val="tx1"/>
+            </a:fontRef>
+          </p:style>
+        </p:cxnSp>
+        <p:sp>
+          <p:nvSpPr>
+            <p:cNvPr id="31" name="フローチャート: 判断 30"/>
+            <p:cNvSpPr/>
+            <p:nvPr/>
+          </p:nvSpPr>
+          <p:spPr>
+            <a:xfrm>
+              <a:off x="4718729" y="2304061"/>
+              <a:ext cx="2819754" cy="1116250"/>
+            </a:xfrm>
+            <a:prstGeom prst="flowChartDecision">
+              <a:avLst/>
+            </a:prstGeom>
+          </p:spPr>
+          <p:style>
+            <a:lnRef idx="2">
+              <a:schemeClr val="accent1"/>
+            </a:lnRef>
+            <a:fillRef idx="1">
+              <a:schemeClr val="lt1"/>
+            </a:fillRef>
+            <a:effectRef idx="0">
+              <a:schemeClr val="accent1"/>
+            </a:effectRef>
+            <a:fontRef idx="minor">
+              <a:schemeClr val="dk1"/>
+            </a:fontRef>
+          </p:style>
+          <p:txBody>
+            <a:bodyPr rtlCol="0" anchor="ctr"/>
+            <a:lstStyle/>
+            <a:p>
+              <a:pPr algn="ctr"/>
+              <a:r>
+                <a:rPr kumimoji="1" lang="ja-JP" altLang="en-US" dirty="0" smtClean="0"/>
+                <a:t>入力に不備が</a:t>
+              </a:r>
+              <a:r>
+                <a:rPr lang="ja-JP" altLang="en-US" dirty="0" smtClean="0"/>
+                <a:t>ある</a:t>
+              </a:r>
+              <a:endParaRPr kumimoji="1" lang="ja-JP" altLang="en-US" dirty="0"/>
+            </a:p>
+          </p:txBody>
+        </p:sp>
+        <p:cxnSp>
+          <p:nvCxnSpPr>
+            <p:cNvPr id="44" name="直線矢印コネクタ 43"/>
+            <p:cNvCxnSpPr>
+              <a:stCxn id="31" idx="2"/>
+              <a:endCxn id="4" idx="0"/>
+            </p:cNvCxnSpPr>
+            <p:nvPr/>
+          </p:nvCxnSpPr>
+          <p:spPr>
+            <a:xfrm flipH="1">
+              <a:off x="6128605" y="3420311"/>
+              <a:ext cx="1" cy="392093"/>
+            </a:xfrm>
+            <a:prstGeom prst="straightConnector1">
+              <a:avLst/>
+            </a:prstGeom>
+            <a:ln w="28575">
+              <a:tailEnd type="triangle"/>
+            </a:ln>
+          </p:spPr>
+          <p:style>
+            <a:lnRef idx="1">
+              <a:schemeClr val="dk1"/>
+            </a:lnRef>
+            <a:fillRef idx="0">
+              <a:schemeClr val="dk1"/>
+            </a:fillRef>
+            <a:effectRef idx="0">
+              <a:schemeClr val="dk1"/>
+            </a:effectRef>
+            <a:fontRef idx="minor">
+              <a:schemeClr val="tx1"/>
+            </a:fontRef>
+          </p:style>
+        </p:cxnSp>
+        <p:cxnSp>
+          <p:nvCxnSpPr>
+            <p:cNvPr id="47" name="カギ線コネクタ 46"/>
+            <p:cNvCxnSpPr>
+              <a:stCxn id="31" idx="1"/>
+              <a:endCxn id="3" idx="1"/>
+            </p:cNvCxnSpPr>
+            <p:nvPr/>
+          </p:nvCxnSpPr>
+          <p:spPr>
+            <a:xfrm rot="10800000">
+              <a:off x="4572001" y="1494388"/>
+              <a:ext cx="146729" cy="1367798"/>
+            </a:xfrm>
+            <a:prstGeom prst="bentConnector3">
+              <a:avLst>
+                <a:gd name="adj1" fmla="val 255797"/>
+              </a:avLst>
+            </a:prstGeom>
+            <a:ln>
+              <a:tailEnd type="triangle"/>
+            </a:ln>
+          </p:spPr>
+          <p:style>
+            <a:lnRef idx="1">
+              <a:schemeClr val="dk1"/>
+            </a:lnRef>
+            <a:fillRef idx="0">
+              <a:schemeClr val="dk1"/>
+            </a:fillRef>
+            <a:effectRef idx="0">
+              <a:schemeClr val="dk1"/>
+            </a:effectRef>
+            <a:fontRef idx="minor">
+              <a:schemeClr val="tx1"/>
+            </a:fontRef>
+          </p:style>
+        </p:cxnSp>
+        <p:sp>
+          <p:nvSpPr>
+            <p:cNvPr id="52" name="テキスト ボックス 51"/>
+            <p:cNvSpPr txBox="1"/>
+            <p:nvPr/>
+          </p:nvSpPr>
+          <p:spPr>
+            <a:xfrm>
+              <a:off x="4379420" y="2289291"/>
+              <a:ext cx="543739" cy="369332"/>
+            </a:xfrm>
+            <a:prstGeom prst="rect">
+              <a:avLst/>
+            </a:prstGeom>
+            <a:noFill/>
+          </p:spPr>
+          <p:txBody>
+            <a:bodyPr wrap="none" rtlCol="0">
+              <a:spAutoFit/>
+            </a:bodyPr>
+            <a:lstStyle/>
+            <a:p>
+              <a:r>
+                <a:rPr lang="en-US" altLang="ja-JP" dirty="0" smtClean="0"/>
+                <a:t>yes</a:t>
+              </a:r>
+              <a:endParaRPr kumimoji="1" lang="ja-JP" altLang="en-US" dirty="0"/>
+            </a:p>
+          </p:txBody>
+        </p:sp>
+        <p:sp>
+          <p:nvSpPr>
+            <p:cNvPr id="53" name="テキスト ボックス 52"/>
+            <p:cNvSpPr txBox="1"/>
+            <p:nvPr/>
+          </p:nvSpPr>
+          <p:spPr>
+            <a:xfrm>
+              <a:off x="6163107" y="3374628"/>
+              <a:ext cx="532802" cy="369332"/>
+            </a:xfrm>
+            <a:prstGeom prst="rect">
+              <a:avLst/>
+            </a:prstGeom>
+            <a:noFill/>
+          </p:spPr>
+          <p:txBody>
+            <a:bodyPr wrap="square" rtlCol="0">
+              <a:spAutoFit/>
+            </a:bodyPr>
+            <a:lstStyle/>
+            <a:p>
+              <a:r>
+                <a:rPr kumimoji="1" lang="en-US" altLang="ja-JP" smtClean="0"/>
+                <a:t>no</a:t>
+              </a:r>
+              <a:endParaRPr kumimoji="1" lang="ja-JP" altLang="en-US" dirty="0"/>
+            </a:p>
+          </p:txBody>
+        </p:sp>
+        <p:sp>
+          <p:nvSpPr>
+            <p:cNvPr id="54" name="テキスト ボックス 53"/>
+            <p:cNvSpPr txBox="1"/>
+            <p:nvPr/>
+          </p:nvSpPr>
+          <p:spPr>
+            <a:xfrm>
+              <a:off x="7378994" y="4807300"/>
+              <a:ext cx="543739" cy="369332"/>
+            </a:xfrm>
+            <a:prstGeom prst="rect">
+              <a:avLst/>
+            </a:prstGeom>
+            <a:noFill/>
+          </p:spPr>
+          <p:txBody>
+            <a:bodyPr wrap="none" rtlCol="0">
+              <a:spAutoFit/>
+            </a:bodyPr>
+            <a:lstStyle/>
+            <a:p>
+              <a:r>
+                <a:rPr lang="en-US" altLang="ja-JP" smtClean="0"/>
+                <a:t>yes</a:t>
+              </a:r>
+              <a:endParaRPr kumimoji="1" lang="ja-JP" altLang="en-US" dirty="0"/>
+            </a:p>
+          </p:txBody>
+        </p:sp>
+        <p:sp>
+          <p:nvSpPr>
+            <p:cNvPr id="56" name="テキスト ボックス 55"/>
+            <p:cNvSpPr txBox="1"/>
+            <p:nvPr/>
+          </p:nvSpPr>
+          <p:spPr>
+            <a:xfrm>
+              <a:off x="6233160" y="5672435"/>
+              <a:ext cx="532802" cy="369332"/>
+            </a:xfrm>
+            <a:prstGeom prst="rect">
+              <a:avLst/>
+            </a:prstGeom>
+            <a:noFill/>
+          </p:spPr>
+          <p:txBody>
+            <a:bodyPr wrap="square" rtlCol="0">
+              <a:spAutoFit/>
+            </a:bodyPr>
+            <a:lstStyle/>
+            <a:p>
+              <a:r>
+                <a:rPr kumimoji="1" lang="en-US" altLang="ja-JP" smtClean="0"/>
+                <a:t>no</a:t>
+              </a:r>
+              <a:endParaRPr kumimoji="1" lang="ja-JP" altLang="en-US" dirty="0"/>
+            </a:p>
+          </p:txBody>
+        </p:sp>
+      </p:grpSp>
+    </p:spTree>
+    <p:extLst>
+      <p:ext uri="{BB962C8B-B14F-4D97-AF65-F5344CB8AC3E}">
+        <p14:creationId xmlns:p14="http://schemas.microsoft.com/office/powerpoint/2010/main" val="312714552"/>
+      </p:ext>
+    </p:extLst>
+  </p:cSld>
+  <p:clrMapOvr>
+    <a:masterClrMapping/>
+  </p:clrMapOvr>
+  <p:timing>
+    <p:tnLst>
+      <p:par>
+        <p:cTn id="1" dur="indefinite" restart="never" nodeType="tmRoot"/>
+      </p:par>
+    </p:tnLst>
+  </p:timing>
+</p:sld>
+</file>
+
 <file path=ppt/theme/theme1.xml><?xml version="1.0" encoding="utf-8"?>
 <a:theme xmlns:a="http://schemas.openxmlformats.org/drawingml/2006/main" name="ホワイト">
   <a:themeElements>
